--- a/01 - Onsite Classes/01 - Slides/Class 03 - Node.js Intro.pptx
+++ b/01 - Onsite Classes/01 - Slides/Class 03 - Node.js Intro.pptx
@@ -16,6 +16,8 @@
     <p:sldId id="261" r:id="rId11"/>
     <p:sldId id="262" r:id="rId12"/>
     <p:sldId id="263" r:id="rId13"/>
+    <p:sldId id="264" r:id="rId14"/>
+    <p:sldId id="265" r:id="rId15"/>
   </p:sldIdLst>
   <p:sldSz cy="5143500" cx="9144000"/>
   <p:notesSz cx="6858000" cy="9144000"/>
@@ -792,6 +794,105 @@
 </p:notes>
 </file>
 
+<file path=ppt/notesSlides/notesSlide10.xml><?xml version="1.0" encoding="utf-8"?>
+<p:notes xmlns:a="http://schemas.openxmlformats.org/drawingml/2006/main" xmlns:r="http://schemas.openxmlformats.org/officeDocument/2006/relationships" xmlns:mc="http://schemas.openxmlformats.org/markup-compatibility/2006" xmlns:mv="urn:schemas-microsoft-com:mac:vml" xmlns:p="http://schemas.openxmlformats.org/presentationml/2006/main" xmlns:c="http://schemas.openxmlformats.org/drawingml/2006/chart" xmlns:dgm="http://schemas.openxmlformats.org/drawingml/2006/diagram" xmlns:o="urn:schemas-microsoft-com:office:office" xmlns:v="urn:schemas-microsoft-com:vml" xmlns:pvml="urn:schemas-microsoft-com:office:powerpoint" xmlns:com="http://schemas.openxmlformats.org/drawingml/2006/compatibility" xmlns:p14="http://schemas.microsoft.com/office/powerpoint/2010/main" xmlns:p15="http://schemas.microsoft.com/office/powerpoint/2012/main" xmlns:ahyp="http://schemas.microsoft.com/office/drawing/2018/hyperlinkcolor" showMasterPhAnim="0" showMasterSp="0">
+  <p:cSld>
+    <p:spTree>
+      <p:nvGrpSpPr>
+        <p:cNvPr id="105" name="Shape 105"/>
+        <p:cNvGrpSpPr/>
+        <p:nvPr/>
+      </p:nvGrpSpPr>
+      <p:grpSpPr>
+        <a:xfrm>
+          <a:off x="0" y="0"/>
+          <a:ext cx="0" cy="0"/>
+          <a:chOff x="0" y="0"/>
+          <a:chExt cx="0" cy="0"/>
+        </a:xfrm>
+      </p:grpSpPr>
+      <p:sp>
+        <p:nvSpPr>
+          <p:cNvPr id="106" name="Google Shape;106;g165ecffdef6_216_7:notes"/>
+          <p:cNvSpPr/>
+          <p:nvPr>
+            <p:ph idx="2" type="sldImg"/>
+          </p:nvPr>
+        </p:nvSpPr>
+        <p:spPr>
+          <a:xfrm>
+            <a:off x="381300" y="685800"/>
+            <a:ext cx="6096000" cy="3429000"/>
+          </a:xfrm>
+          <a:custGeom>
+            <a:rect b="b" l="l" r="r" t="t"/>
+            <a:pathLst>
+              <a:path extrusionOk="0" h="120000" w="120000">
+                <a:moveTo>
+                  <a:pt x="0" y="0"/>
+                </a:moveTo>
+                <a:lnTo>
+                  <a:pt x="120000" y="0"/>
+                </a:lnTo>
+                <a:lnTo>
+                  <a:pt x="120000" y="120000"/>
+                </a:lnTo>
+                <a:lnTo>
+                  <a:pt x="0" y="120000"/>
+                </a:lnTo>
+                <a:close/>
+              </a:path>
+            </a:pathLst>
+          </a:custGeom>
+        </p:spPr>
+      </p:sp>
+      <p:sp>
+        <p:nvSpPr>
+          <p:cNvPr id="107" name="Google Shape;107;g165ecffdef6_216_7:notes"/>
+          <p:cNvSpPr txBox="1"/>
+          <p:nvPr>
+            <p:ph idx="1" type="body"/>
+          </p:nvPr>
+        </p:nvSpPr>
+        <p:spPr>
+          <a:xfrm>
+            <a:off x="685800" y="4343400"/>
+            <a:ext cx="5486400" cy="4114800"/>
+          </a:xfrm>
+          <a:prstGeom prst="rect">
+            <a:avLst/>
+          </a:prstGeom>
+        </p:spPr>
+        <p:txBody>
+          <a:bodyPr anchorCtr="0" anchor="t" bIns="91425" lIns="91425" spcFirstLastPara="1" rIns="91425" wrap="square" tIns="91425">
+            <a:noAutofit/>
+          </a:bodyPr>
+          <a:lstStyle/>
+          <a:p>
+            <a:pPr indent="0" lvl="0" marL="0" rtl="0" algn="l">
+              <a:spcBef>
+                <a:spcPts val="0"/>
+              </a:spcBef>
+              <a:spcAft>
+                <a:spcPts val="0"/>
+              </a:spcAft>
+              <a:buNone/>
+            </a:pPr>
+            <a:r>
+              <a:t/>
+            </a:r>
+            <a:endParaRPr/>
+          </a:p>
+        </p:txBody>
+      </p:sp>
+    </p:spTree>
+  </p:cSld>
+  <p:clrMapOvr>
+    <a:masterClrMapping/>
+  </p:clrMapOvr>
+</p:notes>
+</file>
+
 <file path=ppt/notesSlides/notesSlide2.xml><?xml version="1.0" encoding="utf-8"?>
 <p:notes xmlns:a="http://schemas.openxmlformats.org/drawingml/2006/main" xmlns:r="http://schemas.openxmlformats.org/officeDocument/2006/relationships" xmlns:mc="http://schemas.openxmlformats.org/markup-compatibility/2006" xmlns:mv="urn:schemas-microsoft-com:mac:vml" xmlns:p="http://schemas.openxmlformats.org/presentationml/2006/main" xmlns:c="http://schemas.openxmlformats.org/drawingml/2006/chart" xmlns:dgm="http://schemas.openxmlformats.org/drawingml/2006/diagram" xmlns:o="urn:schemas-microsoft-com:office:office" xmlns:v="urn:schemas-microsoft-com:vml" xmlns:pvml="urn:schemas-microsoft-com:office:powerpoint" xmlns:com="http://schemas.openxmlformats.org/drawingml/2006/compatibility" xmlns:p14="http://schemas.microsoft.com/office/powerpoint/2010/main" xmlns:p15="http://schemas.microsoft.com/office/powerpoint/2012/main" xmlns:ahyp="http://schemas.microsoft.com/office/drawing/2018/hyperlinkcolor" showMasterPhAnim="0" showMasterSp="0">
   <p:cSld>
@@ -1441,6 +1542,105 @@
       <p:sp>
         <p:nvSpPr>
           <p:cNvPr id="95" name="Google Shape;95;g164f437633a_0_38:notes"/>
+          <p:cNvSpPr txBox="1"/>
+          <p:nvPr>
+            <p:ph idx="1" type="body"/>
+          </p:nvPr>
+        </p:nvSpPr>
+        <p:spPr>
+          <a:xfrm>
+            <a:off x="685800" y="4343400"/>
+            <a:ext cx="5486400" cy="4114800"/>
+          </a:xfrm>
+          <a:prstGeom prst="rect">
+            <a:avLst/>
+          </a:prstGeom>
+        </p:spPr>
+        <p:txBody>
+          <a:bodyPr anchorCtr="0" anchor="t" bIns="91425" lIns="91425" spcFirstLastPara="1" rIns="91425" wrap="square" tIns="91425">
+            <a:noAutofit/>
+          </a:bodyPr>
+          <a:lstStyle/>
+          <a:p>
+            <a:pPr indent="0" lvl="0" marL="0" rtl="0" algn="l">
+              <a:spcBef>
+                <a:spcPts val="0"/>
+              </a:spcBef>
+              <a:spcAft>
+                <a:spcPts val="0"/>
+              </a:spcAft>
+              <a:buNone/>
+            </a:pPr>
+            <a:r>
+              <a:t/>
+            </a:r>
+            <a:endParaRPr/>
+          </a:p>
+        </p:txBody>
+      </p:sp>
+    </p:spTree>
+  </p:cSld>
+  <p:clrMapOvr>
+    <a:masterClrMapping/>
+  </p:clrMapOvr>
+</p:notes>
+</file>
+
+<file path=ppt/notesSlides/notesSlide9.xml><?xml version="1.0" encoding="utf-8"?>
+<p:notes xmlns:a="http://schemas.openxmlformats.org/drawingml/2006/main" xmlns:r="http://schemas.openxmlformats.org/officeDocument/2006/relationships" xmlns:mc="http://schemas.openxmlformats.org/markup-compatibility/2006" xmlns:mv="urn:schemas-microsoft-com:mac:vml" xmlns:p="http://schemas.openxmlformats.org/presentationml/2006/main" xmlns:c="http://schemas.openxmlformats.org/drawingml/2006/chart" xmlns:dgm="http://schemas.openxmlformats.org/drawingml/2006/diagram" xmlns:o="urn:schemas-microsoft-com:office:office" xmlns:v="urn:schemas-microsoft-com:vml" xmlns:pvml="urn:schemas-microsoft-com:office:powerpoint" xmlns:com="http://schemas.openxmlformats.org/drawingml/2006/compatibility" xmlns:p14="http://schemas.microsoft.com/office/powerpoint/2010/main" xmlns:p15="http://schemas.microsoft.com/office/powerpoint/2012/main" xmlns:ahyp="http://schemas.microsoft.com/office/drawing/2018/hyperlinkcolor" showMasterPhAnim="0" showMasterSp="0">
+  <p:cSld>
+    <p:spTree>
+      <p:nvGrpSpPr>
+        <p:cNvPr id="99" name="Shape 99"/>
+        <p:cNvGrpSpPr/>
+        <p:nvPr/>
+      </p:nvGrpSpPr>
+      <p:grpSpPr>
+        <a:xfrm>
+          <a:off x="0" y="0"/>
+          <a:ext cx="0" cy="0"/>
+          <a:chOff x="0" y="0"/>
+          <a:chExt cx="0" cy="0"/>
+        </a:xfrm>
+      </p:grpSpPr>
+      <p:sp>
+        <p:nvSpPr>
+          <p:cNvPr id="100" name="Google Shape;100;g165ecffdef6_216_0:notes"/>
+          <p:cNvSpPr/>
+          <p:nvPr>
+            <p:ph idx="2" type="sldImg"/>
+          </p:nvPr>
+        </p:nvSpPr>
+        <p:spPr>
+          <a:xfrm>
+            <a:off x="381300" y="685800"/>
+            <a:ext cx="6096000" cy="3429000"/>
+          </a:xfrm>
+          <a:custGeom>
+            <a:rect b="b" l="l" r="r" t="t"/>
+            <a:pathLst>
+              <a:path extrusionOk="0" h="120000" w="120000">
+                <a:moveTo>
+                  <a:pt x="0" y="0"/>
+                </a:moveTo>
+                <a:lnTo>
+                  <a:pt x="120000" y="0"/>
+                </a:lnTo>
+                <a:lnTo>
+                  <a:pt x="120000" y="120000"/>
+                </a:lnTo>
+                <a:lnTo>
+                  <a:pt x="0" y="120000"/>
+                </a:lnTo>
+                <a:close/>
+              </a:path>
+            </a:pathLst>
+          </a:custGeom>
+        </p:spPr>
+      </p:sp>
+      <p:sp>
+        <p:nvSpPr>
+          <p:cNvPr id="101" name="Google Shape;101;g165ecffdef6_216_0:notes"/>
           <p:cNvSpPr txBox="1"/>
           <p:nvPr>
             <p:ph idx="1" type="body"/>
@@ -6294,6 +6494,284 @@
 </p:sld>
 </file>
 
+<file path=ppt/slides/slide10.xml><?xml version="1.0" encoding="utf-8"?>
+<p:sld xmlns:a="http://schemas.openxmlformats.org/drawingml/2006/main" xmlns:r="http://schemas.openxmlformats.org/officeDocument/2006/relationships" xmlns:mc="http://schemas.openxmlformats.org/markup-compatibility/2006" xmlns:mv="urn:schemas-microsoft-com:mac:vml" xmlns:p="http://schemas.openxmlformats.org/presentationml/2006/main" xmlns:c="http://schemas.openxmlformats.org/drawingml/2006/chart" xmlns:dgm="http://schemas.openxmlformats.org/drawingml/2006/diagram" xmlns:o="urn:schemas-microsoft-com:office:office" xmlns:v="urn:schemas-microsoft-com:vml" xmlns:pvml="urn:schemas-microsoft-com:office:powerpoint" xmlns:com="http://schemas.openxmlformats.org/drawingml/2006/compatibility" xmlns:p14="http://schemas.microsoft.com/office/powerpoint/2010/main" xmlns:p15="http://schemas.microsoft.com/office/powerpoint/2012/main" xmlns:ahyp="http://schemas.microsoft.com/office/drawing/2018/hyperlinkcolor">
+  <p:cSld>
+    <p:spTree>
+      <p:nvGrpSpPr>
+        <p:cNvPr id="108" name="Shape 108"/>
+        <p:cNvGrpSpPr/>
+        <p:nvPr/>
+      </p:nvGrpSpPr>
+      <p:grpSpPr>
+        <a:xfrm>
+          <a:off x="0" y="0"/>
+          <a:ext cx="0" cy="0"/>
+          <a:chOff x="0" y="0"/>
+          <a:chExt cx="0" cy="0"/>
+        </a:xfrm>
+      </p:grpSpPr>
+      <p:sp>
+        <p:nvSpPr>
+          <p:cNvPr id="109" name="Google Shape;109;p22"/>
+          <p:cNvSpPr txBox="1"/>
+          <p:nvPr>
+            <p:ph type="title"/>
+          </p:nvPr>
+        </p:nvSpPr>
+        <p:spPr>
+          <a:xfrm>
+            <a:off x="311700" y="445025"/>
+            <a:ext cx="8520600" cy="572700"/>
+          </a:xfrm>
+          <a:prstGeom prst="rect">
+            <a:avLst/>
+          </a:prstGeom>
+        </p:spPr>
+        <p:txBody>
+          <a:bodyPr anchorCtr="0" anchor="t" bIns="91425" lIns="91425" spcFirstLastPara="1" rIns="91425" wrap="square" tIns="91425">
+            <a:normAutofit fontScale="90000"/>
+          </a:bodyPr>
+          <a:lstStyle/>
+          <a:p>
+            <a:pPr indent="0" lvl="0" marL="0" rtl="0" algn="l">
+              <a:spcBef>
+                <a:spcPts val="0"/>
+              </a:spcBef>
+              <a:spcAft>
+                <a:spcPts val="0"/>
+              </a:spcAft>
+              <a:buNone/>
+            </a:pPr>
+            <a:r>
+              <a:rPr lang="en-GB"/>
+              <a:t>index.mjs</a:t>
+            </a:r>
+            <a:endParaRPr/>
+          </a:p>
+        </p:txBody>
+      </p:sp>
+      <p:sp>
+        <p:nvSpPr>
+          <p:cNvPr id="110" name="Google Shape;110;p22"/>
+          <p:cNvSpPr txBox="1"/>
+          <p:nvPr>
+            <p:ph idx="1" type="body"/>
+          </p:nvPr>
+        </p:nvSpPr>
+        <p:spPr>
+          <a:xfrm>
+            <a:off x="311700" y="1152475"/>
+            <a:ext cx="8520600" cy="3416400"/>
+          </a:xfrm>
+          <a:prstGeom prst="rect">
+            <a:avLst/>
+          </a:prstGeom>
+        </p:spPr>
+        <p:txBody>
+          <a:bodyPr anchorCtr="0" anchor="t" bIns="91425" lIns="91425" spcFirstLastPara="1" rIns="91425" wrap="square" tIns="91425">
+            <a:normAutofit lnSpcReduction="20000"/>
+          </a:bodyPr>
+          <a:lstStyle/>
+          <a:p>
+            <a:pPr indent="0" lvl="0" marL="0" rtl="0" algn="l">
+              <a:spcBef>
+                <a:spcPts val="0"/>
+              </a:spcBef>
+              <a:spcAft>
+                <a:spcPts val="0"/>
+              </a:spcAft>
+              <a:buNone/>
+            </a:pPr>
+            <a:r>
+              <a:rPr b="1" lang="en-GB"/>
+              <a:t>//index.mjs</a:t>
+            </a:r>
+            <a:endParaRPr b="1"/>
+          </a:p>
+          <a:p>
+            <a:pPr indent="0" lvl="0" marL="0" rtl="0" algn="l">
+              <a:spcBef>
+                <a:spcPts val="0"/>
+              </a:spcBef>
+              <a:spcAft>
+                <a:spcPts val="0"/>
+              </a:spcAft>
+              <a:buNone/>
+            </a:pPr>
+            <a:r>
+              <a:rPr b="1" lang="en-GB"/>
+              <a:t>  </a:t>
+            </a:r>
+            <a:endParaRPr b="1"/>
+          </a:p>
+          <a:p>
+            <a:pPr indent="0" lvl="0" marL="0" rtl="0" algn="l">
+              <a:spcBef>
+                <a:spcPts val="0"/>
+              </a:spcBef>
+              <a:spcAft>
+                <a:spcPts val="0"/>
+              </a:spcAft>
+              <a:buNone/>
+            </a:pPr>
+            <a:r>
+              <a:rPr b="1" lang="en-GB"/>
+              <a:t>import promptSync from 'prompt-sync';</a:t>
+            </a:r>
+            <a:endParaRPr b="1"/>
+          </a:p>
+          <a:p>
+            <a:pPr indent="0" lvl="0" marL="0" rtl="0" algn="l">
+              <a:spcBef>
+                <a:spcPts val="0"/>
+              </a:spcBef>
+              <a:spcAft>
+                <a:spcPts val="0"/>
+              </a:spcAft>
+              <a:buNone/>
+            </a:pPr>
+            <a:r>
+              <a:rPr b="1" lang="en-GB"/>
+              <a:t>const prompt = promptSync();</a:t>
+            </a:r>
+            <a:endParaRPr b="1"/>
+          </a:p>
+          <a:p>
+            <a:pPr indent="0" lvl="0" marL="0" rtl="0" algn="l">
+              <a:spcBef>
+                <a:spcPts val="0"/>
+              </a:spcBef>
+              <a:spcAft>
+                <a:spcPts val="0"/>
+              </a:spcAft>
+              <a:buNone/>
+            </a:pPr>
+            <a:r>
+              <a:t/>
+            </a:r>
+            <a:endParaRPr b="1"/>
+          </a:p>
+          <a:p>
+            <a:pPr indent="0" lvl="0" marL="0" rtl="0" algn="l">
+              <a:spcBef>
+                <a:spcPts val="0"/>
+              </a:spcBef>
+              <a:spcAft>
+                <a:spcPts val="0"/>
+              </a:spcAft>
+              <a:buNone/>
+            </a:pPr>
+            <a:r>
+              <a:rPr b="1" lang="en-GB"/>
+              <a:t>var name = prompt("What is your name?");</a:t>
+            </a:r>
+            <a:endParaRPr b="1"/>
+          </a:p>
+          <a:p>
+            <a:pPr indent="0" lvl="0" marL="0" rtl="0" algn="l">
+              <a:spcBef>
+                <a:spcPts val="0"/>
+              </a:spcBef>
+              <a:spcAft>
+                <a:spcPts val="0"/>
+              </a:spcAft>
+              <a:buNone/>
+            </a:pPr>
+            <a:r>
+              <a:t/>
+            </a:r>
+            <a:endParaRPr b="1"/>
+          </a:p>
+          <a:p>
+            <a:pPr indent="0" lvl="0" marL="0" rtl="0" algn="l">
+              <a:spcBef>
+                <a:spcPts val="0"/>
+              </a:spcBef>
+              <a:spcAft>
+                <a:spcPts val="0"/>
+              </a:spcAft>
+              <a:buNone/>
+            </a:pPr>
+            <a:r>
+              <a:rPr b="1" lang="en-GB"/>
+              <a:t>console.log(name);</a:t>
+            </a:r>
+            <a:endParaRPr b="1"/>
+          </a:p>
+          <a:p>
+            <a:pPr indent="0" lvl="0" marL="0" rtl="0" algn="l">
+              <a:spcBef>
+                <a:spcPts val="0"/>
+              </a:spcBef>
+              <a:spcAft>
+                <a:spcPts val="0"/>
+              </a:spcAft>
+              <a:buNone/>
+            </a:pPr>
+            <a:r>
+              <a:t/>
+            </a:r>
+            <a:endParaRPr b="1"/>
+          </a:p>
+          <a:p>
+            <a:pPr indent="0" lvl="0" marL="0" rtl="0" algn="l">
+              <a:spcBef>
+                <a:spcPts val="0"/>
+              </a:spcBef>
+              <a:spcAft>
+                <a:spcPts val="0"/>
+              </a:spcAft>
+              <a:buNone/>
+            </a:pPr>
+            <a:r>
+              <a:rPr b="1" lang="en-GB"/>
+              <a:t>const num = prompt('Enter a number: ');</a:t>
+            </a:r>
+            <a:endParaRPr b="1"/>
+          </a:p>
+          <a:p>
+            <a:pPr indent="0" lvl="0" marL="0" rtl="0" algn="l">
+              <a:spcBef>
+                <a:spcPts val="0"/>
+              </a:spcBef>
+              <a:spcAft>
+                <a:spcPts val="0"/>
+              </a:spcAft>
+              <a:buNone/>
+            </a:pPr>
+            <a:r>
+              <a:rPr b="1" lang="en-GB"/>
+              <a:t>console.log('Your number + 4 =');</a:t>
+            </a:r>
+            <a:endParaRPr b="1"/>
+          </a:p>
+          <a:p>
+            <a:pPr indent="0" lvl="0" marL="0" rtl="0" algn="l">
+              <a:spcBef>
+                <a:spcPts val="0"/>
+              </a:spcBef>
+              <a:spcAft>
+                <a:spcPts val="0"/>
+              </a:spcAft>
+              <a:buNone/>
+            </a:pPr>
+            <a:r>
+              <a:rPr b="1" lang="en-GB"/>
+              <a:t>console.log(Number(num) + 4);</a:t>
+            </a:r>
+            <a:endParaRPr b="1"/>
+          </a:p>
+        </p:txBody>
+      </p:sp>
+    </p:spTree>
+  </p:cSld>
+  <p:clrMapOvr>
+    <a:masterClrMapping/>
+  </p:clrMapOvr>
+</p:sld>
+</file>
+
 <file path=ppt/slides/slide2.xml><?xml version="1.0" encoding="utf-8"?>
 <p:sld xmlns:a="http://schemas.openxmlformats.org/drawingml/2006/main" xmlns:r="http://schemas.openxmlformats.org/officeDocument/2006/relationships" xmlns:mc="http://schemas.openxmlformats.org/markup-compatibility/2006" xmlns:mv="urn:schemas-microsoft-com:mac:vml" xmlns:p="http://schemas.openxmlformats.org/presentationml/2006/main" xmlns:c="http://schemas.openxmlformats.org/drawingml/2006/chart" xmlns:dgm="http://schemas.openxmlformats.org/drawingml/2006/diagram" xmlns:o="urn:schemas-microsoft-com:office:office" xmlns:v="urn:schemas-microsoft-com:vml" xmlns:pvml="urn:schemas-microsoft-com:office:powerpoint" xmlns:com="http://schemas.openxmlformats.org/drawingml/2006/compatibility" xmlns:p14="http://schemas.microsoft.com/office/powerpoint/2010/main" xmlns:p15="http://schemas.microsoft.com/office/powerpoint/2012/main" xmlns:ahyp="http://schemas.microsoft.com/office/drawing/2018/hyperlinkcolor">
   <p:cSld>
@@ -7833,6 +8311,207 @@
             <a:r>
               <a:rPr b="1" lang="en-GB"/>
               <a:t>})</a:t>
+            </a:r>
+            <a:endParaRPr b="1"/>
+          </a:p>
+        </p:txBody>
+      </p:sp>
+    </p:spTree>
+  </p:cSld>
+  <p:clrMapOvr>
+    <a:masterClrMapping/>
+  </p:clrMapOvr>
+</p:sld>
+</file>
+
+<file path=ppt/slides/slide9.xml><?xml version="1.0" encoding="utf-8"?>
+<p:sld xmlns:a="http://schemas.openxmlformats.org/drawingml/2006/main" xmlns:r="http://schemas.openxmlformats.org/officeDocument/2006/relationships" xmlns:mc="http://schemas.openxmlformats.org/markup-compatibility/2006" xmlns:mv="urn:schemas-microsoft-com:mac:vml" xmlns:p="http://schemas.openxmlformats.org/presentationml/2006/main" xmlns:c="http://schemas.openxmlformats.org/drawingml/2006/chart" xmlns:dgm="http://schemas.openxmlformats.org/drawingml/2006/diagram" xmlns:o="urn:schemas-microsoft-com:office:office" xmlns:v="urn:schemas-microsoft-com:vml" xmlns:pvml="urn:schemas-microsoft-com:office:powerpoint" xmlns:com="http://schemas.openxmlformats.org/drawingml/2006/compatibility" xmlns:p14="http://schemas.microsoft.com/office/powerpoint/2010/main" xmlns:p15="http://schemas.microsoft.com/office/powerpoint/2012/main" xmlns:ahyp="http://schemas.microsoft.com/office/drawing/2018/hyperlinkcolor">
+  <p:cSld>
+    <p:spTree>
+      <p:nvGrpSpPr>
+        <p:cNvPr id="102" name="Shape 102"/>
+        <p:cNvGrpSpPr/>
+        <p:nvPr/>
+      </p:nvGrpSpPr>
+      <p:grpSpPr>
+        <a:xfrm>
+          <a:off x="0" y="0"/>
+          <a:ext cx="0" cy="0"/>
+          <a:chOff x="0" y="0"/>
+          <a:chExt cx="0" cy="0"/>
+        </a:xfrm>
+      </p:grpSpPr>
+      <p:sp>
+        <p:nvSpPr>
+          <p:cNvPr id="103" name="Google Shape;103;p21"/>
+          <p:cNvSpPr txBox="1"/>
+          <p:nvPr>
+            <p:ph type="title"/>
+          </p:nvPr>
+        </p:nvSpPr>
+        <p:spPr>
+          <a:xfrm>
+            <a:off x="311700" y="445025"/>
+            <a:ext cx="8520600" cy="572700"/>
+          </a:xfrm>
+          <a:prstGeom prst="rect">
+            <a:avLst/>
+          </a:prstGeom>
+        </p:spPr>
+        <p:txBody>
+          <a:bodyPr anchorCtr="0" anchor="t" bIns="91425" lIns="91425" spcFirstLastPara="1" rIns="91425" wrap="square" tIns="91425">
+            <a:normAutofit fontScale="90000"/>
+          </a:bodyPr>
+          <a:lstStyle/>
+          <a:p>
+            <a:pPr indent="0" lvl="0" marL="0" rtl="0" algn="l">
+              <a:spcBef>
+                <a:spcPts val="0"/>
+              </a:spcBef>
+              <a:spcAft>
+                <a:spcPts val="0"/>
+              </a:spcAft>
+              <a:buNone/>
+            </a:pPr>
+            <a:r>
+              <a:rPr lang="en-GB"/>
+              <a:t>User Input in JavaScript</a:t>
+            </a:r>
+            <a:endParaRPr/>
+          </a:p>
+        </p:txBody>
+      </p:sp>
+      <p:sp>
+        <p:nvSpPr>
+          <p:cNvPr id="104" name="Google Shape;104;p21"/>
+          <p:cNvSpPr txBox="1"/>
+          <p:nvPr>
+            <p:ph idx="1" type="body"/>
+          </p:nvPr>
+        </p:nvSpPr>
+        <p:spPr>
+          <a:xfrm>
+            <a:off x="311700" y="1152475"/>
+            <a:ext cx="8520600" cy="3416400"/>
+          </a:xfrm>
+          <a:prstGeom prst="rect">
+            <a:avLst/>
+          </a:prstGeom>
+        </p:spPr>
+        <p:txBody>
+          <a:bodyPr anchorCtr="0" anchor="t" bIns="91425" lIns="91425" spcFirstLastPara="1" rIns="91425" wrap="square" tIns="91425">
+            <a:normAutofit lnSpcReduction="10000"/>
+          </a:bodyPr>
+          <a:lstStyle/>
+          <a:p>
+            <a:pPr indent="0" lvl="0" marL="0" rtl="0" algn="l">
+              <a:spcBef>
+                <a:spcPts val="0"/>
+              </a:spcBef>
+              <a:spcAft>
+                <a:spcPts val="0"/>
+              </a:spcAft>
+              <a:buNone/>
+            </a:pPr>
+            <a:r>
+              <a:rPr lang="en-GB"/>
+              <a:t>Learn how to accept user input in your Node.js JavaScript programs, this will allow us to create interactive Node.js console programs.</a:t>
+            </a:r>
+            <a:endParaRPr/>
+          </a:p>
+          <a:p>
+            <a:pPr indent="0" lvl="0" marL="0" rtl="0" algn="l">
+              <a:spcBef>
+                <a:spcPts val="1200"/>
+              </a:spcBef>
+              <a:spcAft>
+                <a:spcPts val="0"/>
+              </a:spcAft>
+              <a:buNone/>
+            </a:pPr>
+            <a:r>
+              <a:rPr lang="en-GB"/>
+              <a:t>Create Project Directory:</a:t>
+            </a:r>
+            <a:endParaRPr/>
+          </a:p>
+          <a:p>
+            <a:pPr indent="0" lvl="0" marL="0" rtl="0" algn="l">
+              <a:spcBef>
+                <a:spcPts val="1200"/>
+              </a:spcBef>
+              <a:spcAft>
+                <a:spcPts val="0"/>
+              </a:spcAft>
+              <a:buNone/>
+            </a:pPr>
+            <a:r>
+              <a:rPr b="1" lang="en-GB"/>
+              <a:t>mkdir myUserInputProgram</a:t>
+            </a:r>
+            <a:endParaRPr b="1"/>
+          </a:p>
+          <a:p>
+            <a:pPr indent="0" lvl="0" marL="0" rtl="0" algn="l">
+              <a:spcBef>
+                <a:spcPts val="1200"/>
+              </a:spcBef>
+              <a:spcAft>
+                <a:spcPts val="0"/>
+              </a:spcAft>
+              <a:buNone/>
+            </a:pPr>
+            <a:r>
+              <a:rPr lang="en-GB"/>
+              <a:t>Now create package.json and node.js project:</a:t>
+            </a:r>
+            <a:endParaRPr/>
+          </a:p>
+          <a:p>
+            <a:pPr indent="0" lvl="0" marL="0" rtl="0" algn="l">
+              <a:spcBef>
+                <a:spcPts val="1200"/>
+              </a:spcBef>
+              <a:spcAft>
+                <a:spcPts val="0"/>
+              </a:spcAft>
+              <a:buNone/>
+            </a:pPr>
+            <a:r>
+              <a:rPr b="1" lang="en-GB"/>
+              <a:t>npm init</a:t>
+            </a:r>
+            <a:endParaRPr b="1"/>
+          </a:p>
+          <a:p>
+            <a:pPr indent="0" lvl="0" marL="0" rtl="0" algn="l">
+              <a:spcBef>
+                <a:spcPts val="1200"/>
+              </a:spcBef>
+              <a:spcAft>
+                <a:spcPts val="0"/>
+              </a:spcAft>
+              <a:buNone/>
+            </a:pPr>
+            <a:r>
+              <a:rPr lang="en-GB"/>
+              <a:t>Install prompt-syc Library:</a:t>
+            </a:r>
+            <a:endParaRPr/>
+          </a:p>
+          <a:p>
+            <a:pPr indent="0" lvl="0" marL="0" rtl="0" algn="l">
+              <a:spcBef>
+                <a:spcPts val="1200"/>
+              </a:spcBef>
+              <a:spcAft>
+                <a:spcPts val="1200"/>
+              </a:spcAft>
+              <a:buNone/>
+            </a:pPr>
+            <a:r>
+              <a:rPr b="1" lang="en-GB"/>
+              <a:t>npm install prompt-sync</a:t>
             </a:r>
             <a:endParaRPr b="1"/>
           </a:p>
